--- a/Presentation/World Builder VR Presentation.pptx
+++ b/Presentation/World Builder VR Presentation.pptx
@@ -1,6 +1,6 @@
 
 <file path=ppt/presentation.xml><?xml version="1.0" encoding="utf-8"?>
-<p:presentation xmlns:a="http://schemas.openxmlformats.org/drawingml/2006/main" xmlns:r="http://schemas.openxmlformats.org/officeDocument/2006/relationships" xmlns:p="http://schemas.openxmlformats.org/presentationml/2006/main" saveSubsetFonts="1">
+<p:presentation xmlns:a="http://schemas.openxmlformats.org/drawingml/2006/main" xmlns:r="http://schemas.openxmlformats.org/officeDocument/2006/relationships" xmlns:p="http://schemas.openxmlformats.org/presentationml/2006/main" embedTrueTypeFonts="1" saveSubsetFonts="1">
   <p:sldMasterIdLst>
     <p:sldMasterId id="2147483648" r:id="rId1"/>
   </p:sldMasterIdLst>
@@ -13,10 +13,46 @@
     <p:sldId id="263" r:id="rId7"/>
     <p:sldId id="262" r:id="rId8"/>
     <p:sldId id="264" r:id="rId9"/>
-    <p:sldId id="258" r:id="rId10"/>
+    <p:sldId id="265" r:id="rId10"/>
+    <p:sldId id="258" r:id="rId11"/>
   </p:sldIdLst>
   <p:sldSz cx="12192000" cy="6858000"/>
   <p:notesSz cx="6858000" cy="9144000"/>
+  <p:embeddedFontLst>
+    <p:embeddedFont>
+      <p:font typeface="Berlin Sans FB" panose="020E0602020502020306" pitchFamily="34" charset="0"/>
+      <p:regular r:id="rId12"/>
+      <p:bold r:id="rId13"/>
+    </p:embeddedFont>
+    <p:embeddedFont>
+      <p:font typeface="Bierstadt" panose="020B0004020202020204" pitchFamily="34" charset="0"/>
+      <p:regular r:id="rId14"/>
+      <p:bold r:id="rId15"/>
+      <p:italic r:id="rId16"/>
+      <p:boldItalic r:id="rId17"/>
+    </p:embeddedFont>
+    <p:embeddedFont>
+      <p:font typeface="Calibri" panose="020F0502020204030204" pitchFamily="34" charset="0"/>
+      <p:regular r:id="rId18"/>
+      <p:bold r:id="rId19"/>
+      <p:italic r:id="rId20"/>
+      <p:boldItalic r:id="rId21"/>
+    </p:embeddedFont>
+    <p:embeddedFont>
+      <p:font typeface="Calibri Light" panose="020F0302020204030204" pitchFamily="34" charset="0"/>
+      <p:regular r:id="rId22"/>
+      <p:italic r:id="rId23"/>
+    </p:embeddedFont>
+    <p:embeddedFont>
+      <p:font typeface="ITC Avant Garde Gothic LT Demi" pitchFamily="50" charset="0"/>
+      <p:bold r:id="rId24"/>
+    </p:embeddedFont>
+    <p:embeddedFont>
+      <p:font typeface="Microsoft YaHei UI" panose="020B0503020204020204" pitchFamily="34" charset="-122"/>
+      <p:regular r:id="rId25"/>
+      <p:bold r:id="rId26"/>
+    </p:embeddedFont>
+  </p:embeddedFontLst>
   <p:defaultTextStyle>
     <a:defPPr>
       <a:defRPr lang="cs-CZ"/>
@@ -3469,8 +3505,8 @@
         </p:nvSpPr>
         <p:spPr>
           <a:xfrm>
-            <a:off x="9352697" y="6211669"/>
-            <a:ext cx="2839303" cy="646331"/>
+            <a:off x="9215224" y="6334780"/>
+            <a:ext cx="2976776" cy="523220"/>
           </a:xfrm>
           <a:prstGeom prst="rect">
             <a:avLst/>
@@ -3492,7 +3528,7 @@
           <a:p>
             <a:pPr algn="r"/>
             <a:r>
-              <a:rPr lang="cs-CZ" dirty="0">
+              <a:rPr lang="cs-CZ" sz="1400" dirty="0">
                 <a:gradFill flip="none" rotWithShape="1">
                   <a:gsLst>
                     <a:gs pos="76000">
@@ -3519,7 +3555,7 @@
           <a:p>
             <a:pPr algn="r"/>
             <a:r>
-              <a:rPr lang="cs-CZ" dirty="0">
+              <a:rPr lang="cs-CZ" sz="1400" dirty="0">
                 <a:gradFill flip="none" rotWithShape="1">
                   <a:gsLst>
                     <a:gs pos="76000">
@@ -3540,8 +3576,53 @@
                 <a:latin typeface="Microsoft YaHei UI" panose="020B0503020204020204" pitchFamily="34" charset="-122"/>
                 <a:ea typeface="Microsoft YaHei UI" panose="020B0503020204020204" pitchFamily="34" charset="-122"/>
               </a:rPr>
-              <a:t>Jan Kunetka</a:t>
-            </a:r>
+              <a:t>Jan Kunetka a Barbora </a:t>
+            </a:r>
+            <a:r>
+              <a:rPr lang="cs-CZ" sz="1400" dirty="0" err="1">
+                <a:gradFill flip="none" rotWithShape="1">
+                  <a:gsLst>
+                    <a:gs pos="76000">
+                      <a:schemeClr val="accent2"/>
+                    </a:gs>
+                    <a:gs pos="100000">
+                      <a:schemeClr val="accent2">
+                        <a:lumMod val="75000"/>
+                      </a:schemeClr>
+                    </a:gs>
+                    <a:gs pos="0">
+                      <a:srgbClr val="F3A875"/>
+                    </a:gs>
+                  </a:gsLst>
+                  <a:lin ang="5400000" scaled="1"/>
+                  <a:tileRect/>
+                </a:gradFill>
+                <a:latin typeface="Microsoft YaHei UI" panose="020B0503020204020204" pitchFamily="34" charset="-122"/>
+                <a:ea typeface="Microsoft YaHei UI" panose="020B0503020204020204" pitchFamily="34" charset="-122"/>
+              </a:rPr>
+              <a:t>Hajíčková</a:t>
+            </a:r>
+            <a:endParaRPr lang="cs-CZ" sz="1400" dirty="0">
+              <a:gradFill flip="none" rotWithShape="1">
+                <a:gsLst>
+                  <a:gs pos="76000">
+                    <a:schemeClr val="accent2"/>
+                  </a:gs>
+                  <a:gs pos="100000">
+                    <a:schemeClr val="accent2">
+                      <a:lumMod val="75000"/>
+                    </a:schemeClr>
+                  </a:gs>
+                  <a:gs pos="0">
+                    <a:srgbClr val="F3A875"/>
+                  </a:gs>
+                </a:gsLst>
+                <a:lin ang="5400000" scaled="1"/>
+                <a:tileRect/>
+              </a:gradFill>
+              <a:latin typeface="Microsoft YaHei UI" panose="020B0503020204020204" pitchFamily="34" charset="-122"/>
+              <a:ea typeface="Microsoft YaHei UI" panose="020B0503020204020204" pitchFamily="34" charset="-122"/>
+            </a:endParaRPr>
           </a:p>
         </p:txBody>
       </p:sp>
@@ -3692,6 +3773,547 @@
       <p:bldP spid="7" grpId="0"/>
     </p:bldLst>
   </p:timing>
+</p:sld>
+</file>
+
+<file path=ppt/slides/slide10.xml><?xml version="1.0" encoding="utf-8"?>
+<p:sld xmlns:a="http://schemas.openxmlformats.org/drawingml/2006/main" xmlns:r="http://schemas.openxmlformats.org/officeDocument/2006/relationships" xmlns:p="http://schemas.openxmlformats.org/presentationml/2006/main">
+  <p:cSld>
+    <p:spTree>
+      <p:nvGrpSpPr>
+        <p:cNvPr id="1" name=""/>
+        <p:cNvGrpSpPr/>
+        <p:nvPr/>
+      </p:nvGrpSpPr>
+      <p:grpSpPr>
+        <a:xfrm>
+          <a:off x="0" y="0"/>
+          <a:ext cx="0" cy="0"/>
+          <a:chOff x="0" y="0"/>
+          <a:chExt cx="0" cy="0"/>
+        </a:xfrm>
+      </p:grpSpPr>
+      <p:pic>
+        <p:nvPicPr>
+          <p:cNvPr id="2" name="Obrázek 1">
+            <a:extLst>
+              <a:ext uri="{FF2B5EF4-FFF2-40B4-BE49-F238E27FC236}">
+                <a16:creationId xmlns:a16="http://schemas.microsoft.com/office/drawing/2014/main" id="{1A34CC20-FFB4-4C23-B8E0-6616C94C5550}"/>
+              </a:ext>
+            </a:extLst>
+          </p:cNvPr>
+          <p:cNvPicPr>
+            <a:picLocks noChangeAspect="1"/>
+          </p:cNvPicPr>
+          <p:nvPr/>
+        </p:nvPicPr>
+        <p:blipFill rotWithShape="1">
+          <a:blip r:embed="rId2">
+            <a:extLst>
+              <a:ext uri="{28A0092B-C50C-407E-A947-70E740481C1C}">
+                <a14:useLocalDpi xmlns:a14="http://schemas.microsoft.com/office/drawing/2010/main" val="0"/>
+              </a:ext>
+            </a:extLst>
+          </a:blip>
+          <a:srcRect l="8809" r="3620" b="1"/>
+          <a:stretch/>
+        </p:blipFill>
+        <p:spPr>
+          <a:xfrm>
+            <a:off x="20" y="1282"/>
+            <a:ext cx="12191980" cy="6856718"/>
+          </a:xfrm>
+          <a:prstGeom prst="rect">
+            <a:avLst/>
+          </a:prstGeom>
+        </p:spPr>
+      </p:pic>
+      <p:sp>
+        <p:nvSpPr>
+          <p:cNvPr id="3" name="TextovéPole 2">
+            <a:extLst>
+              <a:ext uri="{FF2B5EF4-FFF2-40B4-BE49-F238E27FC236}">
+                <a16:creationId xmlns:a16="http://schemas.microsoft.com/office/drawing/2014/main" id="{55CE5B10-149C-4A81-B98E-2CDCE9D5F42A}"/>
+              </a:ext>
+            </a:extLst>
+          </p:cNvPr>
+          <p:cNvSpPr txBox="1"/>
+          <p:nvPr/>
+        </p:nvSpPr>
+        <p:spPr>
+          <a:xfrm>
+            <a:off x="4137171" y="219388"/>
+            <a:ext cx="3917658" cy="523220"/>
+          </a:xfrm>
+          <a:prstGeom prst="rect">
+            <a:avLst/>
+          </a:prstGeom>
+          <a:noFill/>
+          <a:ln>
+            <a:noFill/>
+          </a:ln>
+          <a:effectLst>
+            <a:outerShdw blurRad="63500" dist="38100" dir="2700000" algn="tl" rotWithShape="0">
+              <a:prstClr val="black">
+                <a:alpha val="73000"/>
+              </a:prstClr>
+            </a:outerShdw>
+          </a:effectLst>
+        </p:spPr>
+        <p:txBody>
+          <a:bodyPr wrap="square" rtlCol="0">
+            <a:spAutoFit/>
+          </a:bodyPr>
+          <a:lstStyle/>
+          <a:p>
+            <a:pPr algn="ctr"/>
+            <a:r>
+              <a:rPr lang="cs-CZ" sz="2800" b="1" dirty="0">
+                <a:gradFill flip="none" rotWithShape="1">
+                  <a:gsLst>
+                    <a:gs pos="0">
+                      <a:schemeClr val="accent2"/>
+                    </a:gs>
+                    <a:gs pos="100000">
+                      <a:schemeClr val="accent2">
+                        <a:lumMod val="75000"/>
+                      </a:schemeClr>
+                    </a:gs>
+                  </a:gsLst>
+                  <a:lin ang="5400000" scaled="0"/>
+                  <a:tileRect/>
+                </a:gradFill>
+                <a:latin typeface="Bierstadt" panose="020B0004020202020204" pitchFamily="34" charset="0"/>
+              </a:rPr>
+              <a:t>Zdroje</a:t>
+            </a:r>
+          </a:p>
+        </p:txBody>
+      </p:sp>
+      <p:sp>
+        <p:nvSpPr>
+          <p:cNvPr id="5" name="TextovéPole 4">
+            <a:extLst>
+              <a:ext uri="{FF2B5EF4-FFF2-40B4-BE49-F238E27FC236}">
+                <a16:creationId xmlns:a16="http://schemas.microsoft.com/office/drawing/2014/main" id="{4729B321-6F91-4A89-882A-C4128B062D95}"/>
+              </a:ext>
+            </a:extLst>
+          </p:cNvPr>
+          <p:cNvSpPr txBox="1"/>
+          <p:nvPr/>
+        </p:nvSpPr>
+        <p:spPr>
+          <a:xfrm>
+            <a:off x="2091078" y="2767280"/>
+            <a:ext cx="8009843" cy="1323439"/>
+          </a:xfrm>
+          <a:prstGeom prst="rect">
+            <a:avLst/>
+          </a:prstGeom>
+          <a:noFill/>
+          <a:effectLst>
+            <a:outerShdw blurRad="50800" dist="38100" dir="2700000" algn="tl" rotWithShape="0">
+              <a:prstClr val="black">
+                <a:alpha val="40000"/>
+              </a:prstClr>
+            </a:outerShdw>
+          </a:effectLst>
+        </p:spPr>
+        <p:txBody>
+          <a:bodyPr wrap="square" rtlCol="0">
+            <a:spAutoFit/>
+          </a:bodyPr>
+          <a:lstStyle/>
+          <a:p>
+            <a:pPr marL="342900" indent="-342900">
+              <a:buAutoNum type="arabicPeriod"/>
+            </a:pPr>
+            <a:r>
+              <a:rPr lang="cs-CZ" sz="1600" dirty="0" err="1">
+                <a:gradFill flip="none" rotWithShape="1">
+                  <a:gsLst>
+                    <a:gs pos="76000">
+                      <a:schemeClr val="accent2"/>
+                    </a:gs>
+                    <a:gs pos="100000">
+                      <a:schemeClr val="accent2">
+                        <a:lumMod val="75000"/>
+                      </a:schemeClr>
+                    </a:gs>
+                    <a:gs pos="0">
+                      <a:srgbClr val="F3A875"/>
+                    </a:gs>
+                  </a:gsLst>
+                  <a:lin ang="5400000" scaled="1"/>
+                  <a:tileRect/>
+                </a:gradFill>
+                <a:latin typeface="Microsoft YaHei UI" panose="020B0503020204020204" pitchFamily="34" charset="-122"/>
+                <a:ea typeface="Microsoft YaHei UI" panose="020B0503020204020204" pitchFamily="34" charset="-122"/>
+              </a:rPr>
+              <a:t>Quest</a:t>
+            </a:r>
+            <a:r>
+              <a:rPr lang="cs-CZ" sz="1600" dirty="0">
+                <a:gradFill flip="none" rotWithShape="1">
+                  <a:gsLst>
+                    <a:gs pos="76000">
+                      <a:schemeClr val="accent2"/>
+                    </a:gs>
+                    <a:gs pos="100000">
+                      <a:schemeClr val="accent2">
+                        <a:lumMod val="75000"/>
+                      </a:schemeClr>
+                    </a:gs>
+                    <a:gs pos="0">
+                      <a:srgbClr val="F3A875"/>
+                    </a:gs>
+                  </a:gsLst>
+                  <a:lin ang="5400000" scaled="1"/>
+                  <a:tileRect/>
+                </a:gradFill>
+                <a:latin typeface="Microsoft YaHei UI" panose="020B0503020204020204" pitchFamily="34" charset="-122"/>
+                <a:ea typeface="Microsoft YaHei UI" panose="020B0503020204020204" pitchFamily="34" charset="-122"/>
+              </a:rPr>
+              <a:t> 2 </a:t>
+            </a:r>
+            <a:r>
+              <a:rPr lang="cs-CZ" sz="1600" dirty="0" err="1">
+                <a:gradFill flip="none" rotWithShape="1">
+                  <a:gsLst>
+                    <a:gs pos="76000">
+                      <a:schemeClr val="accent2"/>
+                    </a:gs>
+                    <a:gs pos="100000">
+                      <a:schemeClr val="accent2">
+                        <a:lumMod val="75000"/>
+                      </a:schemeClr>
+                    </a:gs>
+                    <a:gs pos="0">
+                      <a:srgbClr val="F3A875"/>
+                    </a:gs>
+                  </a:gsLst>
+                  <a:lin ang="5400000" scaled="1"/>
+                  <a:tileRect/>
+                </a:gradFill>
+                <a:latin typeface="Microsoft YaHei UI" panose="020B0503020204020204" pitchFamily="34" charset="-122"/>
+                <a:ea typeface="Microsoft YaHei UI" panose="020B0503020204020204" pitchFamily="34" charset="-122"/>
+              </a:rPr>
+              <a:t>for</a:t>
+            </a:r>
+            <a:r>
+              <a:rPr lang="cs-CZ" sz="1600" dirty="0">
+                <a:gradFill flip="none" rotWithShape="1">
+                  <a:gsLst>
+                    <a:gs pos="76000">
+                      <a:schemeClr val="accent2"/>
+                    </a:gs>
+                    <a:gs pos="100000">
+                      <a:schemeClr val="accent2">
+                        <a:lumMod val="75000"/>
+                      </a:schemeClr>
+                    </a:gs>
+                    <a:gs pos="0">
+                      <a:srgbClr val="F3A875"/>
+                    </a:gs>
+                  </a:gsLst>
+                  <a:lin ang="5400000" scaled="1"/>
+                  <a:tileRect/>
+                </a:gradFill>
+                <a:latin typeface="Microsoft YaHei UI" panose="020B0503020204020204" pitchFamily="34" charset="-122"/>
+                <a:ea typeface="Microsoft YaHei UI" panose="020B0503020204020204" pitchFamily="34" charset="-122"/>
+              </a:rPr>
+              <a:t> Business Hardware. </a:t>
+            </a:r>
+            <a:r>
+              <a:rPr lang="cs-CZ" sz="1600" dirty="0" err="1">
+                <a:gradFill flip="none" rotWithShape="1">
+                  <a:gsLst>
+                    <a:gs pos="76000">
+                      <a:schemeClr val="accent2"/>
+                    </a:gs>
+                    <a:gs pos="100000">
+                      <a:schemeClr val="accent2">
+                        <a:lumMod val="75000"/>
+                      </a:schemeClr>
+                    </a:gs>
+                    <a:gs pos="0">
+                      <a:srgbClr val="F3A875"/>
+                    </a:gs>
+                  </a:gsLst>
+                  <a:lin ang="5400000" scaled="1"/>
+                  <a:tileRect/>
+                </a:gradFill>
+                <a:latin typeface="Microsoft YaHei UI" panose="020B0503020204020204" pitchFamily="34" charset="-122"/>
+                <a:ea typeface="Microsoft YaHei UI" panose="020B0503020204020204" pitchFamily="34" charset="-122"/>
+              </a:rPr>
+              <a:t>Unbound</a:t>
+            </a:r>
+            <a:r>
+              <a:rPr lang="cs-CZ" sz="1600" dirty="0">
+                <a:gradFill flip="none" rotWithShape="1">
+                  <a:gsLst>
+                    <a:gs pos="76000">
+                      <a:schemeClr val="accent2"/>
+                    </a:gs>
+                    <a:gs pos="100000">
+                      <a:schemeClr val="accent2">
+                        <a:lumMod val="75000"/>
+                      </a:schemeClr>
+                    </a:gs>
+                    <a:gs pos="0">
+                      <a:srgbClr val="F3A875"/>
+                    </a:gs>
+                  </a:gsLst>
+                  <a:lin ang="5400000" scaled="1"/>
+                  <a:tileRect/>
+                </a:gradFill>
+                <a:latin typeface="Microsoft YaHei UI" panose="020B0503020204020204" pitchFamily="34" charset="-122"/>
+                <a:ea typeface="Microsoft YaHei UI" panose="020B0503020204020204" pitchFamily="34" charset="-122"/>
+              </a:rPr>
+              <a:t> VR [online]. </a:t>
+            </a:r>
+            <a:r>
+              <a:rPr lang="cs-CZ" sz="1600" dirty="0" err="1">
+                <a:gradFill flip="none" rotWithShape="1">
+                  <a:gsLst>
+                    <a:gs pos="76000">
+                      <a:schemeClr val="accent2"/>
+                    </a:gs>
+                    <a:gs pos="100000">
+                      <a:schemeClr val="accent2">
+                        <a:lumMod val="75000"/>
+                      </a:schemeClr>
+                    </a:gs>
+                    <a:gs pos="0">
+                      <a:srgbClr val="F3A875"/>
+                    </a:gs>
+                  </a:gsLst>
+                  <a:lin ang="5400000" scaled="1"/>
+                  <a:tileRect/>
+                </a:gradFill>
+                <a:latin typeface="Microsoft YaHei UI" panose="020B0503020204020204" pitchFamily="34" charset="-122"/>
+                <a:ea typeface="Microsoft YaHei UI" panose="020B0503020204020204" pitchFamily="34" charset="-122"/>
+              </a:rPr>
+              <a:t>Wijchenseweg</a:t>
+            </a:r>
+            <a:r>
+              <a:rPr lang="cs-CZ" sz="1600" dirty="0">
+                <a:gradFill flip="none" rotWithShape="1">
+                  <a:gsLst>
+                    <a:gs pos="76000">
+                      <a:schemeClr val="accent2"/>
+                    </a:gs>
+                    <a:gs pos="100000">
+                      <a:schemeClr val="accent2">
+                        <a:lumMod val="75000"/>
+                      </a:schemeClr>
+                    </a:gs>
+                    <a:gs pos="0">
+                      <a:srgbClr val="F3A875"/>
+                    </a:gs>
+                  </a:gsLst>
+                  <a:lin ang="5400000" scaled="1"/>
+                  <a:tileRect/>
+                </a:gradFill>
+                <a:latin typeface="Microsoft YaHei UI" panose="020B0503020204020204" pitchFamily="34" charset="-122"/>
+                <a:ea typeface="Microsoft YaHei UI" panose="020B0503020204020204" pitchFamily="34" charset="-122"/>
+              </a:rPr>
+              <a:t>: </a:t>
+            </a:r>
+            <a:r>
+              <a:rPr lang="cs-CZ" sz="1600" dirty="0" err="1">
+                <a:gradFill flip="none" rotWithShape="1">
+                  <a:gsLst>
+                    <a:gs pos="76000">
+                      <a:schemeClr val="accent2"/>
+                    </a:gs>
+                    <a:gs pos="100000">
+                      <a:schemeClr val="accent2">
+                        <a:lumMod val="75000"/>
+                      </a:schemeClr>
+                    </a:gs>
+                    <a:gs pos="0">
+                      <a:srgbClr val="F3A875"/>
+                    </a:gs>
+                  </a:gsLst>
+                  <a:lin ang="5400000" scaled="1"/>
+                  <a:tileRect/>
+                </a:gradFill>
+                <a:latin typeface="Microsoft YaHei UI" panose="020B0503020204020204" pitchFamily="34" charset="-122"/>
+                <a:ea typeface="Microsoft YaHei UI" panose="020B0503020204020204" pitchFamily="34" charset="-122"/>
+              </a:rPr>
+              <a:t>Unbound</a:t>
+            </a:r>
+            <a:r>
+              <a:rPr lang="cs-CZ" sz="1600" dirty="0">
+                <a:gradFill flip="none" rotWithShape="1">
+                  <a:gsLst>
+                    <a:gs pos="76000">
+                      <a:schemeClr val="accent2"/>
+                    </a:gs>
+                    <a:gs pos="100000">
+                      <a:schemeClr val="accent2">
+                        <a:lumMod val="75000"/>
+                      </a:schemeClr>
+                    </a:gs>
+                    <a:gs pos="0">
+                      <a:srgbClr val="F3A875"/>
+                    </a:gs>
+                  </a:gsLst>
+                  <a:lin ang="5400000" scaled="1"/>
+                  <a:tileRect/>
+                </a:gradFill>
+                <a:latin typeface="Microsoft YaHei UI" panose="020B0503020204020204" pitchFamily="34" charset="-122"/>
+                <a:ea typeface="Microsoft YaHei UI" panose="020B0503020204020204" pitchFamily="34" charset="-122"/>
+              </a:rPr>
+              <a:t> VR, c2017 - 2021 [cit. 2021-12-14]. Dostupné z: </a:t>
+            </a:r>
+            <a:r>
+              <a:rPr lang="cs-CZ" sz="1600" dirty="0">
+                <a:gradFill flip="none" rotWithShape="1">
+                  <a:gsLst>
+                    <a:gs pos="76000">
+                      <a:schemeClr val="accent2"/>
+                    </a:gs>
+                    <a:gs pos="100000">
+                      <a:schemeClr val="accent2">
+                        <a:lumMod val="75000"/>
+                      </a:schemeClr>
+                    </a:gs>
+                    <a:gs pos="0">
+                      <a:srgbClr val="F3A875"/>
+                    </a:gs>
+                  </a:gsLst>
+                  <a:lin ang="5400000" scaled="1"/>
+                  <a:tileRect/>
+                </a:gradFill>
+                <a:latin typeface="Microsoft YaHei UI" panose="020B0503020204020204" pitchFamily="34" charset="-122"/>
+                <a:ea typeface="Microsoft YaHei UI" panose="020B0503020204020204" pitchFamily="34" charset="-122"/>
+                <a:hlinkClick r:id="rId3"/>
+              </a:rPr>
+              <a:t>https://unboundvr.eu/oculus-quest-2-for-business-wat-je-moet-weten</a:t>
+            </a:r>
+            <a:endParaRPr lang="cs-CZ" sz="1600" dirty="0">
+              <a:gradFill flip="none" rotWithShape="1">
+                <a:gsLst>
+                  <a:gs pos="76000">
+                    <a:schemeClr val="accent2"/>
+                  </a:gs>
+                  <a:gs pos="100000">
+                    <a:schemeClr val="accent2">
+                      <a:lumMod val="75000"/>
+                    </a:schemeClr>
+                  </a:gs>
+                  <a:gs pos="0">
+                    <a:srgbClr val="F3A875"/>
+                  </a:gs>
+                </a:gsLst>
+                <a:lin ang="5400000" scaled="1"/>
+                <a:tileRect/>
+              </a:gradFill>
+              <a:latin typeface="Microsoft YaHei UI" panose="020B0503020204020204" pitchFamily="34" charset="-122"/>
+              <a:ea typeface="Microsoft YaHei UI" panose="020B0503020204020204" pitchFamily="34" charset="-122"/>
+            </a:endParaRPr>
+          </a:p>
+          <a:p>
+            <a:pPr marL="342900" indent="-342900">
+              <a:buAutoNum type="arabicPeriod"/>
+            </a:pPr>
+            <a:r>
+              <a:rPr lang="cs-CZ" sz="1600" dirty="0">
+                <a:gradFill flip="none" rotWithShape="1">
+                  <a:gsLst>
+                    <a:gs pos="76000">
+                      <a:schemeClr val="accent2"/>
+                    </a:gs>
+                    <a:gs pos="100000">
+                      <a:schemeClr val="accent2">
+                        <a:lumMod val="75000"/>
+                      </a:schemeClr>
+                    </a:gs>
+                    <a:gs pos="0">
+                      <a:srgbClr val="F3A875"/>
+                    </a:gs>
+                  </a:gsLst>
+                  <a:lin ang="5400000" scaled="1"/>
+                  <a:tileRect/>
+                </a:gradFill>
+                <a:latin typeface="Microsoft YaHei UI" panose="020B0503020204020204" pitchFamily="34" charset="-122"/>
+                <a:ea typeface="Microsoft YaHei UI" panose="020B0503020204020204" pitchFamily="34" charset="-122"/>
+              </a:rPr>
+              <a:t>UNITY LOGO. 1000 logos [online]. 1000logos.net, c2016-2021 [cit. 2021-12-12]. Dostupné z: </a:t>
+            </a:r>
+            <a:r>
+              <a:rPr lang="cs-CZ" sz="1600" dirty="0">
+                <a:gradFill flip="none" rotWithShape="1">
+                  <a:gsLst>
+                    <a:gs pos="76000">
+                      <a:schemeClr val="accent2"/>
+                    </a:gs>
+                    <a:gs pos="100000">
+                      <a:schemeClr val="accent2">
+                        <a:lumMod val="75000"/>
+                      </a:schemeClr>
+                    </a:gs>
+                    <a:gs pos="0">
+                      <a:srgbClr val="F3A875"/>
+                    </a:gs>
+                  </a:gsLst>
+                  <a:lin ang="5400000" scaled="1"/>
+                  <a:tileRect/>
+                </a:gradFill>
+                <a:latin typeface="Microsoft YaHei UI" panose="020B0503020204020204" pitchFamily="34" charset="-122"/>
+                <a:ea typeface="Microsoft YaHei UI" panose="020B0503020204020204" pitchFamily="34" charset="-122"/>
+                <a:hlinkClick r:id="rId4"/>
+              </a:rPr>
+              <a:t>https://1000logos.net/unity-logo/</a:t>
+            </a:r>
+            <a:endParaRPr lang="cs-CZ" sz="1600" dirty="0">
+              <a:gradFill flip="none" rotWithShape="1">
+                <a:gsLst>
+                  <a:gs pos="76000">
+                    <a:schemeClr val="accent2"/>
+                  </a:gs>
+                  <a:gs pos="100000">
+                    <a:schemeClr val="accent2">
+                      <a:lumMod val="75000"/>
+                    </a:schemeClr>
+                  </a:gs>
+                  <a:gs pos="0">
+                    <a:srgbClr val="F3A875"/>
+                  </a:gs>
+                </a:gsLst>
+                <a:lin ang="5400000" scaled="1"/>
+                <a:tileRect/>
+              </a:gradFill>
+              <a:latin typeface="Microsoft YaHei UI" panose="020B0503020204020204" pitchFamily="34" charset="-122"/>
+              <a:ea typeface="Microsoft YaHei UI" panose="020B0503020204020204" pitchFamily="34" charset="-122"/>
+            </a:endParaRPr>
+          </a:p>
+        </p:txBody>
+      </p:sp>
+    </p:spTree>
+    <p:extLst>
+      <p:ext uri="{BB962C8B-B14F-4D97-AF65-F5344CB8AC3E}">
+        <p14:creationId xmlns:p14="http://schemas.microsoft.com/office/powerpoint/2010/main" val="3866270224"/>
+      </p:ext>
+    </p:extLst>
+  </p:cSld>
+  <p:clrMapOvr>
+    <a:masterClrMapping/>
+  </p:clrMapOvr>
+  <mc:AlternateContent xmlns:mc="http://schemas.openxmlformats.org/markup-compatibility/2006" xmlns:p14="http://schemas.microsoft.com/office/powerpoint/2010/main">
+    <mc:Choice Requires="p14">
+      <p:transition p14:dur="250">
+        <p:wipe/>
+      </p:transition>
+    </mc:Choice>
+    <mc:Fallback xmlns="">
+      <p:transition>
+        <p:wipe/>
+      </p:transition>
+    </mc:Fallback>
+  </mc:AlternateContent>
 </p:sld>
 </file>
 
@@ -7910,92 +8532,6 @@
       </p:transition>
     </mc:Fallback>
   </mc:AlternateContent>
-  <p:timing>
-    <p:tnLst>
-      <p:par>
-        <p:cTn id="1" dur="indefinite" restart="never" nodeType="tmRoot">
-          <p:childTnLst>
-            <p:seq concurrent="1" nextAc="seek">
-              <p:cTn id="2" dur="indefinite" nodeType="mainSeq">
-                <p:childTnLst>
-                  <p:par>
-                    <p:cTn id="3" fill="hold">
-                      <p:stCondLst>
-                        <p:cond delay="indefinite"/>
-                      </p:stCondLst>
-                      <p:childTnLst>
-                        <p:par>
-                          <p:cTn id="4" fill="hold">
-                            <p:stCondLst>
-                              <p:cond delay="0"/>
-                            </p:stCondLst>
-                            <p:childTnLst>
-                              <p:par>
-                                <p:cTn id="5" presetID="22" presetClass="entr" presetSubtype="2" fill="hold" grpId="0" nodeType="clickEffect">
-                                  <p:stCondLst>
-                                    <p:cond delay="0"/>
-                                  </p:stCondLst>
-                                  <p:childTnLst>
-                                    <p:set>
-                                      <p:cBhvr>
-                                        <p:cTn id="6" dur="1" fill="hold">
-                                          <p:stCondLst>
-                                            <p:cond delay="0"/>
-                                          </p:stCondLst>
-                                        </p:cTn>
-                                        <p:tgtEl>
-                                          <p:spTgt spid="6"/>
-                                        </p:tgtEl>
-                                        <p:attrNameLst>
-                                          <p:attrName>style.visibility</p:attrName>
-                                        </p:attrNameLst>
-                                      </p:cBhvr>
-                                      <p:to>
-                                        <p:strVal val="visible"/>
-                                      </p:to>
-                                    </p:set>
-                                    <p:animEffect transition="in" filter="wipe(right)">
-                                      <p:cBhvr>
-                                        <p:cTn id="7" dur="250"/>
-                                        <p:tgtEl>
-                                          <p:spTgt spid="6"/>
-                                        </p:tgtEl>
-                                      </p:cBhvr>
-                                    </p:animEffect>
-                                  </p:childTnLst>
-                                </p:cTn>
-                              </p:par>
-                            </p:childTnLst>
-                          </p:cTn>
-                        </p:par>
-                      </p:childTnLst>
-                    </p:cTn>
-                  </p:par>
-                </p:childTnLst>
-              </p:cTn>
-              <p:prevCondLst>
-                <p:cond evt="onPrev" delay="0">
-                  <p:tgtEl>
-                    <p:sldTgt/>
-                  </p:tgtEl>
-                </p:cond>
-              </p:prevCondLst>
-              <p:nextCondLst>
-                <p:cond evt="onNext" delay="0">
-                  <p:tgtEl>
-                    <p:sldTgt/>
-                  </p:tgtEl>
-                </p:cond>
-              </p:nextCondLst>
-            </p:seq>
-          </p:childTnLst>
-        </p:cTn>
-      </p:par>
-    </p:tnLst>
-    <p:bldLst>
-      <p:bldP spid="6" grpId="0"/>
-    </p:bldLst>
-  </p:timing>
 </p:sld>
 </file>
 
@@ -8110,6 +8646,133 @@
               </a:rPr>
               <a:t>Přístup</a:t>
             </a:r>
+          </a:p>
+        </p:txBody>
+      </p:sp>
+      <p:pic>
+        <p:nvPicPr>
+          <p:cNvPr id="5" name="Obrázek 4" descr="Obsah obrázku text, snímek obrazovky, monitor, obrazovka&#10;&#10;Popis byl vytvořen automaticky">
+            <a:extLst>
+              <a:ext uri="{FF2B5EF4-FFF2-40B4-BE49-F238E27FC236}">
+                <a16:creationId xmlns:a16="http://schemas.microsoft.com/office/drawing/2014/main" id="{72AF6CC0-78DA-4ED9-ADDC-BC1C26CC71E2}"/>
+              </a:ext>
+            </a:extLst>
+          </p:cNvPr>
+          <p:cNvPicPr>
+            <a:picLocks noChangeAspect="1"/>
+          </p:cNvPicPr>
+          <p:nvPr/>
+        </p:nvPicPr>
+        <p:blipFill>
+          <a:blip r:embed="rId3">
+            <a:extLst>
+              <a:ext uri="{28A0092B-C50C-407E-A947-70E740481C1C}">
+                <a14:useLocalDpi xmlns:a14="http://schemas.microsoft.com/office/drawing/2010/main" val="0"/>
+              </a:ext>
+            </a:extLst>
+          </a:blip>
+          <a:stretch>
+            <a:fillRect/>
+          </a:stretch>
+        </p:blipFill>
+        <p:spPr>
+          <a:xfrm>
+            <a:off x="1166328" y="960714"/>
+            <a:ext cx="9859344" cy="4527010"/>
+          </a:xfrm>
+          <a:prstGeom prst="rect">
+            <a:avLst/>
+          </a:prstGeom>
+        </p:spPr>
+      </p:pic>
+      <p:sp>
+        <p:nvSpPr>
+          <p:cNvPr id="7" name="TextovéPole 6">
+            <a:extLst>
+              <a:ext uri="{FF2B5EF4-FFF2-40B4-BE49-F238E27FC236}">
+                <a16:creationId xmlns:a16="http://schemas.microsoft.com/office/drawing/2014/main" id="{11ED32A5-A510-478D-9E64-81CE50D5983B}"/>
+              </a:ext>
+            </a:extLst>
+          </p:cNvPr>
+          <p:cNvSpPr txBox="1"/>
+          <p:nvPr/>
+        </p:nvSpPr>
+        <p:spPr>
+          <a:xfrm>
+            <a:off x="2938340" y="5803530"/>
+            <a:ext cx="6315319" cy="369332"/>
+          </a:xfrm>
+          <a:prstGeom prst="rect">
+            <a:avLst/>
+          </a:prstGeom>
+          <a:noFill/>
+          <a:effectLst>
+            <a:outerShdw blurRad="50800" dist="38100" dir="2700000" algn="tl" rotWithShape="0">
+              <a:prstClr val="black">
+                <a:alpha val="40000"/>
+              </a:prstClr>
+            </a:outerShdw>
+          </a:effectLst>
+        </p:spPr>
+        <p:txBody>
+          <a:bodyPr wrap="none" rtlCol="0">
+            <a:spAutoFit/>
+          </a:bodyPr>
+          <a:lstStyle/>
+          <a:p>
+            <a:pPr algn="ctr"/>
+            <a:r>
+              <a:rPr lang="cs-CZ" dirty="0">
+                <a:gradFill flip="none" rotWithShape="1">
+                  <a:gsLst>
+                    <a:gs pos="76000">
+                      <a:schemeClr val="accent4"/>
+                    </a:gs>
+                    <a:gs pos="100000">
+                      <a:schemeClr val="accent4">
+                        <a:lumMod val="75000"/>
+                      </a:schemeClr>
+                    </a:gs>
+                    <a:gs pos="0">
+                      <a:schemeClr val="accent4">
+                        <a:lumMod val="40000"/>
+                        <a:lumOff val="60000"/>
+                      </a:schemeClr>
+                    </a:gs>
+                  </a:gsLst>
+                  <a:lin ang="5400000" scaled="1"/>
+                  <a:tileRect/>
+                </a:gradFill>
+                <a:latin typeface="Microsoft YaHei UI" panose="020B0503020204020204" pitchFamily="34" charset="-122"/>
+                <a:ea typeface="Microsoft YaHei UI" panose="020B0503020204020204" pitchFamily="34" charset="-122"/>
+                <a:hlinkClick r:id="rId4"/>
+              </a:rPr>
+              <a:t>https://github.com/JanKunetka/VINS-World-Builder-VR</a:t>
+            </a:r>
+            <a:endParaRPr lang="cs-CZ" dirty="0">
+              <a:gradFill flip="none" rotWithShape="1">
+                <a:gsLst>
+                  <a:gs pos="76000">
+                    <a:schemeClr val="accent4"/>
+                  </a:gs>
+                  <a:gs pos="100000">
+                    <a:schemeClr val="accent4">
+                      <a:lumMod val="75000"/>
+                    </a:schemeClr>
+                  </a:gs>
+                  <a:gs pos="0">
+                    <a:schemeClr val="accent4">
+                      <a:lumMod val="40000"/>
+                      <a:lumOff val="60000"/>
+                    </a:schemeClr>
+                  </a:gs>
+                </a:gsLst>
+                <a:lin ang="5400000" scaled="1"/>
+                <a:tileRect/>
+              </a:gradFill>
+              <a:latin typeface="Microsoft YaHei UI" panose="020B0503020204020204" pitchFamily="34" charset="-122"/>
+              <a:ea typeface="Microsoft YaHei UI" panose="020B0503020204020204" pitchFamily="34" charset="-122"/>
+            </a:endParaRPr>
           </a:p>
         </p:txBody>
       </p:sp>
@@ -8148,7 +8811,7 @@
           <p:cNvPr id="2" name="Obrázek 1">
             <a:extLst>
               <a:ext uri="{FF2B5EF4-FFF2-40B4-BE49-F238E27FC236}">
-                <a16:creationId xmlns:a16="http://schemas.microsoft.com/office/drawing/2014/main" id="{1A34CC20-FFB4-4C23-B8E0-6616C94C5550}"/>
+                <a16:creationId xmlns:a16="http://schemas.microsoft.com/office/drawing/2014/main" id="{33AE8AC1-61A3-4F5E-B597-AC2657C642AB}"/>
               </a:ext>
             </a:extLst>
           </p:cNvPr>
@@ -8183,7 +8846,7 @@
           <p:cNvPr id="3" name="TextovéPole 2">
             <a:extLst>
               <a:ext uri="{FF2B5EF4-FFF2-40B4-BE49-F238E27FC236}">
-                <a16:creationId xmlns:a16="http://schemas.microsoft.com/office/drawing/2014/main" id="{55CE5B10-149C-4A81-B98E-2CDCE9D5F42A}"/>
+                <a16:creationId xmlns:a16="http://schemas.microsoft.com/office/drawing/2014/main" id="{EF8AAD98-19D5-43CE-B953-F7F2895E2711}"/>
               </a:ext>
             </a:extLst>
           </p:cNvPr>
@@ -8192,8 +8855,8 @@
         </p:nvSpPr>
         <p:spPr>
           <a:xfrm>
-            <a:off x="4137171" y="219388"/>
-            <a:ext cx="3917658" cy="523220"/>
+            <a:off x="3443295" y="3167390"/>
+            <a:ext cx="5305409" cy="523220"/>
           </a:xfrm>
           <a:prstGeom prst="rect">
             <a:avLst/>
@@ -8235,650 +8898,266 @@
                 </a:gradFill>
                 <a:latin typeface="Bierstadt" panose="020B0004020202020204" pitchFamily="34" charset="0"/>
               </a:rPr>
-              <a:t>Zdroje</a:t>
+              <a:t>Děkujeme za pozornost!</a:t>
             </a:r>
           </a:p>
         </p:txBody>
       </p:sp>
-      <p:sp>
-        <p:nvSpPr>
-          <p:cNvPr id="5" name="TextovéPole 4">
-            <a:extLst>
-              <a:ext uri="{FF2B5EF4-FFF2-40B4-BE49-F238E27FC236}">
-                <a16:creationId xmlns:a16="http://schemas.microsoft.com/office/drawing/2014/main" id="{4729B321-6F91-4A89-882A-C4128B062D95}"/>
-              </a:ext>
-            </a:extLst>
-          </p:cNvPr>
-          <p:cNvSpPr txBox="1"/>
+      <p:pic>
+        <p:nvPicPr>
+          <p:cNvPr id="9" name="Obrázek 8" descr="Obsah obrázku tmavé, sedadlo&#10;&#10;Popis byl vytvořen automaticky">
+            <a:extLst>
+              <a:ext uri="{FF2B5EF4-FFF2-40B4-BE49-F238E27FC236}">
+                <a16:creationId xmlns:a16="http://schemas.microsoft.com/office/drawing/2014/main" id="{1FD7B335-0E99-4D21-8CF2-77BA986A149B}"/>
+              </a:ext>
+            </a:extLst>
+          </p:cNvPr>
+          <p:cNvPicPr>
+            <a:picLocks noChangeAspect="1"/>
+          </p:cNvPicPr>
           <p:nvPr/>
-        </p:nvSpPr>
+        </p:nvPicPr>
+        <p:blipFill rotWithShape="1">
+          <a:blip r:embed="rId3">
+            <a:extLst>
+              <a:ext uri="{28A0092B-C50C-407E-A947-70E740481C1C}">
+                <a14:useLocalDpi xmlns:a14="http://schemas.microsoft.com/office/drawing/2010/main" val="0"/>
+              </a:ext>
+            </a:extLst>
+          </a:blip>
+          <a:srcRect l="18181" t="8595" r="17509" b="11895"/>
+          <a:stretch/>
+        </p:blipFill>
         <p:spPr>
           <a:xfrm>
-            <a:off x="2250688" y="2024680"/>
-            <a:ext cx="8009843" cy="2062103"/>
+            <a:off x="10049439" y="734570"/>
+            <a:ext cx="1178173" cy="1456652"/>
           </a:xfrm>
           <a:prstGeom prst="rect">
             <a:avLst/>
           </a:prstGeom>
-          <a:noFill/>
           <a:effectLst>
-            <a:outerShdw blurRad="50800" dist="38100" dir="2700000" algn="tl" rotWithShape="0">
+            <a:outerShdw blurRad="76200" dir="18900000" sy="23000" kx="-1200000" algn="bl" rotWithShape="0">
               <a:prstClr val="black">
-                <a:alpha val="40000"/>
+                <a:alpha val="20000"/>
               </a:prstClr>
             </a:outerShdw>
           </a:effectLst>
         </p:spPr>
-        <p:txBody>
-          <a:bodyPr wrap="square" rtlCol="0">
-            <a:spAutoFit/>
-          </a:bodyPr>
-          <a:lstStyle/>
-          <a:p>
-            <a:pPr marL="342900" indent="-342900">
-              <a:buAutoNum type="arabicPeriod"/>
-            </a:pPr>
-            <a:r>
-              <a:rPr lang="cs-CZ" sz="1600" dirty="0" err="1">
-                <a:gradFill flip="none" rotWithShape="1">
-                  <a:gsLst>
-                    <a:gs pos="76000">
-                      <a:schemeClr val="accent2"/>
-                    </a:gs>
-                    <a:gs pos="100000">
-                      <a:schemeClr val="accent2">
-                        <a:lumMod val="75000"/>
-                      </a:schemeClr>
-                    </a:gs>
-                    <a:gs pos="0">
-                      <a:srgbClr val="F3A875"/>
-                    </a:gs>
-                  </a:gsLst>
-                  <a:lin ang="5400000" scaled="1"/>
-                  <a:tileRect/>
-                </a:gradFill>
-                <a:latin typeface="Microsoft YaHei UI" panose="020B0503020204020204" pitchFamily="34" charset="-122"/>
-                <a:ea typeface="Microsoft YaHei UI" panose="020B0503020204020204" pitchFamily="34" charset="-122"/>
-              </a:rPr>
-              <a:t>Quest</a:t>
-            </a:r>
-            <a:r>
-              <a:rPr lang="cs-CZ" sz="1600" dirty="0">
-                <a:gradFill flip="none" rotWithShape="1">
-                  <a:gsLst>
-                    <a:gs pos="76000">
-                      <a:schemeClr val="accent2"/>
-                    </a:gs>
-                    <a:gs pos="100000">
-                      <a:schemeClr val="accent2">
-                        <a:lumMod val="75000"/>
-                      </a:schemeClr>
-                    </a:gs>
-                    <a:gs pos="0">
-                      <a:srgbClr val="F3A875"/>
-                    </a:gs>
-                  </a:gsLst>
-                  <a:lin ang="5400000" scaled="1"/>
-                  <a:tileRect/>
-                </a:gradFill>
-                <a:latin typeface="Microsoft YaHei UI" panose="020B0503020204020204" pitchFamily="34" charset="-122"/>
-                <a:ea typeface="Microsoft YaHei UI" panose="020B0503020204020204" pitchFamily="34" charset="-122"/>
-              </a:rPr>
-              <a:t> 2 </a:t>
-            </a:r>
-            <a:r>
-              <a:rPr lang="cs-CZ" sz="1600" dirty="0" err="1">
-                <a:gradFill flip="none" rotWithShape="1">
-                  <a:gsLst>
-                    <a:gs pos="76000">
-                      <a:schemeClr val="accent2"/>
-                    </a:gs>
-                    <a:gs pos="100000">
-                      <a:schemeClr val="accent2">
-                        <a:lumMod val="75000"/>
-                      </a:schemeClr>
-                    </a:gs>
-                    <a:gs pos="0">
-                      <a:srgbClr val="F3A875"/>
-                    </a:gs>
-                  </a:gsLst>
-                  <a:lin ang="5400000" scaled="1"/>
-                  <a:tileRect/>
-                </a:gradFill>
-                <a:latin typeface="Microsoft YaHei UI" panose="020B0503020204020204" pitchFamily="34" charset="-122"/>
-                <a:ea typeface="Microsoft YaHei UI" panose="020B0503020204020204" pitchFamily="34" charset="-122"/>
-              </a:rPr>
-              <a:t>for</a:t>
-            </a:r>
-            <a:r>
-              <a:rPr lang="cs-CZ" sz="1600" dirty="0">
-                <a:gradFill flip="none" rotWithShape="1">
-                  <a:gsLst>
-                    <a:gs pos="76000">
-                      <a:schemeClr val="accent2"/>
-                    </a:gs>
-                    <a:gs pos="100000">
-                      <a:schemeClr val="accent2">
-                        <a:lumMod val="75000"/>
-                      </a:schemeClr>
-                    </a:gs>
-                    <a:gs pos="0">
-                      <a:srgbClr val="F3A875"/>
-                    </a:gs>
-                  </a:gsLst>
-                  <a:lin ang="5400000" scaled="1"/>
-                  <a:tileRect/>
-                </a:gradFill>
-                <a:latin typeface="Microsoft YaHei UI" panose="020B0503020204020204" pitchFamily="34" charset="-122"/>
-                <a:ea typeface="Microsoft YaHei UI" panose="020B0503020204020204" pitchFamily="34" charset="-122"/>
-              </a:rPr>
-              <a:t> Business Hardware. </a:t>
-            </a:r>
-            <a:r>
-              <a:rPr lang="cs-CZ" sz="1600" dirty="0" err="1">
-                <a:gradFill flip="none" rotWithShape="1">
-                  <a:gsLst>
-                    <a:gs pos="76000">
-                      <a:schemeClr val="accent2"/>
-                    </a:gs>
-                    <a:gs pos="100000">
-                      <a:schemeClr val="accent2">
-                        <a:lumMod val="75000"/>
-                      </a:schemeClr>
-                    </a:gs>
-                    <a:gs pos="0">
-                      <a:srgbClr val="F3A875"/>
-                    </a:gs>
-                  </a:gsLst>
-                  <a:lin ang="5400000" scaled="1"/>
-                  <a:tileRect/>
-                </a:gradFill>
-                <a:latin typeface="Microsoft YaHei UI" panose="020B0503020204020204" pitchFamily="34" charset="-122"/>
-                <a:ea typeface="Microsoft YaHei UI" panose="020B0503020204020204" pitchFamily="34" charset="-122"/>
-              </a:rPr>
-              <a:t>Unbound</a:t>
-            </a:r>
-            <a:r>
-              <a:rPr lang="cs-CZ" sz="1600" dirty="0">
-                <a:gradFill flip="none" rotWithShape="1">
-                  <a:gsLst>
-                    <a:gs pos="76000">
-                      <a:schemeClr val="accent2"/>
-                    </a:gs>
-                    <a:gs pos="100000">
-                      <a:schemeClr val="accent2">
-                        <a:lumMod val="75000"/>
-                      </a:schemeClr>
-                    </a:gs>
-                    <a:gs pos="0">
-                      <a:srgbClr val="F3A875"/>
-                    </a:gs>
-                  </a:gsLst>
-                  <a:lin ang="5400000" scaled="1"/>
-                  <a:tileRect/>
-                </a:gradFill>
-                <a:latin typeface="Microsoft YaHei UI" panose="020B0503020204020204" pitchFamily="34" charset="-122"/>
-                <a:ea typeface="Microsoft YaHei UI" panose="020B0503020204020204" pitchFamily="34" charset="-122"/>
-              </a:rPr>
-              <a:t> VR [online]. </a:t>
-            </a:r>
-            <a:r>
-              <a:rPr lang="cs-CZ" sz="1600" dirty="0" err="1">
-                <a:gradFill flip="none" rotWithShape="1">
-                  <a:gsLst>
-                    <a:gs pos="76000">
-                      <a:schemeClr val="accent2"/>
-                    </a:gs>
-                    <a:gs pos="100000">
-                      <a:schemeClr val="accent2">
-                        <a:lumMod val="75000"/>
-                      </a:schemeClr>
-                    </a:gs>
-                    <a:gs pos="0">
-                      <a:srgbClr val="F3A875"/>
-                    </a:gs>
-                  </a:gsLst>
-                  <a:lin ang="5400000" scaled="1"/>
-                  <a:tileRect/>
-                </a:gradFill>
-                <a:latin typeface="Microsoft YaHei UI" panose="020B0503020204020204" pitchFamily="34" charset="-122"/>
-                <a:ea typeface="Microsoft YaHei UI" panose="020B0503020204020204" pitchFamily="34" charset="-122"/>
-              </a:rPr>
-              <a:t>Wijchenseweg</a:t>
-            </a:r>
-            <a:r>
-              <a:rPr lang="cs-CZ" sz="1600" dirty="0">
-                <a:gradFill flip="none" rotWithShape="1">
-                  <a:gsLst>
-                    <a:gs pos="76000">
-                      <a:schemeClr val="accent2"/>
-                    </a:gs>
-                    <a:gs pos="100000">
-                      <a:schemeClr val="accent2">
-                        <a:lumMod val="75000"/>
-                      </a:schemeClr>
-                    </a:gs>
-                    <a:gs pos="0">
-                      <a:srgbClr val="F3A875"/>
-                    </a:gs>
-                  </a:gsLst>
-                  <a:lin ang="5400000" scaled="1"/>
-                  <a:tileRect/>
-                </a:gradFill>
-                <a:latin typeface="Microsoft YaHei UI" panose="020B0503020204020204" pitchFamily="34" charset="-122"/>
-                <a:ea typeface="Microsoft YaHei UI" panose="020B0503020204020204" pitchFamily="34" charset="-122"/>
-              </a:rPr>
-              <a:t>: </a:t>
-            </a:r>
-            <a:r>
-              <a:rPr lang="cs-CZ" sz="1600" dirty="0" err="1">
-                <a:gradFill flip="none" rotWithShape="1">
-                  <a:gsLst>
-                    <a:gs pos="76000">
-                      <a:schemeClr val="accent2"/>
-                    </a:gs>
-                    <a:gs pos="100000">
-                      <a:schemeClr val="accent2">
-                        <a:lumMod val="75000"/>
-                      </a:schemeClr>
-                    </a:gs>
-                    <a:gs pos="0">
-                      <a:srgbClr val="F3A875"/>
-                    </a:gs>
-                  </a:gsLst>
-                  <a:lin ang="5400000" scaled="1"/>
-                  <a:tileRect/>
-                </a:gradFill>
-                <a:latin typeface="Microsoft YaHei UI" panose="020B0503020204020204" pitchFamily="34" charset="-122"/>
-                <a:ea typeface="Microsoft YaHei UI" panose="020B0503020204020204" pitchFamily="34" charset="-122"/>
-              </a:rPr>
-              <a:t>Unbound</a:t>
-            </a:r>
-            <a:r>
-              <a:rPr lang="cs-CZ" sz="1600" dirty="0">
-                <a:gradFill flip="none" rotWithShape="1">
-                  <a:gsLst>
-                    <a:gs pos="76000">
-                      <a:schemeClr val="accent2"/>
-                    </a:gs>
-                    <a:gs pos="100000">
-                      <a:schemeClr val="accent2">
-                        <a:lumMod val="75000"/>
-                      </a:schemeClr>
-                    </a:gs>
-                    <a:gs pos="0">
-                      <a:srgbClr val="F3A875"/>
-                    </a:gs>
-                  </a:gsLst>
-                  <a:lin ang="5400000" scaled="1"/>
-                  <a:tileRect/>
-                </a:gradFill>
-                <a:latin typeface="Microsoft YaHei UI" panose="020B0503020204020204" pitchFamily="34" charset="-122"/>
-                <a:ea typeface="Microsoft YaHei UI" panose="020B0503020204020204" pitchFamily="34" charset="-122"/>
-              </a:rPr>
-              <a:t> VR, c2017 - 2021 [cit. 2021-12-14]. Dostupné z: </a:t>
-            </a:r>
-            <a:r>
-              <a:rPr lang="cs-CZ" sz="1600" dirty="0">
-                <a:gradFill flip="none" rotWithShape="1">
-                  <a:gsLst>
-                    <a:gs pos="76000">
-                      <a:schemeClr val="accent2"/>
-                    </a:gs>
-                    <a:gs pos="100000">
-                      <a:schemeClr val="accent2">
-                        <a:lumMod val="75000"/>
-                      </a:schemeClr>
-                    </a:gs>
-                    <a:gs pos="0">
-                      <a:srgbClr val="F3A875"/>
-                    </a:gs>
-                  </a:gsLst>
-                  <a:lin ang="5400000" scaled="1"/>
-                  <a:tileRect/>
-                </a:gradFill>
-                <a:latin typeface="Microsoft YaHei UI" panose="020B0503020204020204" pitchFamily="34" charset="-122"/>
-                <a:ea typeface="Microsoft YaHei UI" panose="020B0503020204020204" pitchFamily="34" charset="-122"/>
-                <a:hlinkClick r:id="rId3"/>
-              </a:rPr>
-              <a:t>https://unboundvr.eu/oculus-quest-2-for-business-wat-je-moet-weten</a:t>
-            </a:r>
-            <a:endParaRPr lang="cs-CZ" sz="1600" dirty="0">
-              <a:gradFill flip="none" rotWithShape="1">
-                <a:gsLst>
-                  <a:gs pos="76000">
-                    <a:schemeClr val="accent2"/>
-                  </a:gs>
-                  <a:gs pos="100000">
-                    <a:schemeClr val="accent2">
-                      <a:lumMod val="75000"/>
-                    </a:schemeClr>
-                  </a:gs>
-                  <a:gs pos="0">
-                    <a:srgbClr val="F3A875"/>
-                  </a:gs>
-                </a:gsLst>
-                <a:lin ang="5400000" scaled="1"/>
-                <a:tileRect/>
-              </a:gradFill>
-              <a:latin typeface="Microsoft YaHei UI" panose="020B0503020204020204" pitchFamily="34" charset="-122"/>
-              <a:ea typeface="Microsoft YaHei UI" panose="020B0503020204020204" pitchFamily="34" charset="-122"/>
-            </a:endParaRPr>
-          </a:p>
-          <a:p>
-            <a:pPr marL="342900" indent="-342900">
-              <a:buAutoNum type="arabicPeriod"/>
-            </a:pPr>
-            <a:r>
-              <a:rPr lang="cs-CZ" sz="1600" dirty="0">
-                <a:gradFill flip="none" rotWithShape="1">
-                  <a:gsLst>
-                    <a:gs pos="76000">
-                      <a:schemeClr val="accent2"/>
-                    </a:gs>
-                    <a:gs pos="100000">
-                      <a:schemeClr val="accent2">
-                        <a:lumMod val="75000"/>
-                      </a:schemeClr>
-                    </a:gs>
-                    <a:gs pos="0">
-                      <a:srgbClr val="F3A875"/>
-                    </a:gs>
-                  </a:gsLst>
-                  <a:lin ang="5400000" scaled="1"/>
-                  <a:tileRect/>
-                </a:gradFill>
-                <a:latin typeface="Microsoft YaHei UI" panose="020B0503020204020204" pitchFamily="34" charset="-122"/>
-                <a:ea typeface="Microsoft YaHei UI" panose="020B0503020204020204" pitchFamily="34" charset="-122"/>
-              </a:rPr>
-              <a:t>UNITY LOGO. 1000 logos [online]. 1000logos.net, c2016-2021 [cit. 2021-12-12]. Dostupné z: </a:t>
-            </a:r>
-            <a:r>
-              <a:rPr lang="cs-CZ" sz="1600" dirty="0">
-                <a:gradFill flip="none" rotWithShape="1">
-                  <a:gsLst>
-                    <a:gs pos="76000">
-                      <a:schemeClr val="accent2"/>
-                    </a:gs>
-                    <a:gs pos="100000">
-                      <a:schemeClr val="accent2">
-                        <a:lumMod val="75000"/>
-                      </a:schemeClr>
-                    </a:gs>
-                    <a:gs pos="0">
-                      <a:srgbClr val="F3A875"/>
-                    </a:gs>
-                  </a:gsLst>
-                  <a:lin ang="5400000" scaled="1"/>
-                  <a:tileRect/>
-                </a:gradFill>
-                <a:latin typeface="Microsoft YaHei UI" panose="020B0503020204020204" pitchFamily="34" charset="-122"/>
-                <a:ea typeface="Microsoft YaHei UI" panose="020B0503020204020204" pitchFamily="34" charset="-122"/>
-                <a:hlinkClick r:id="rId4"/>
-              </a:rPr>
-              <a:t>https://1000logos.net/unity-logo/</a:t>
-            </a:r>
-            <a:endParaRPr lang="cs-CZ" sz="1600" dirty="0">
-              <a:gradFill flip="none" rotWithShape="1">
-                <a:gsLst>
-                  <a:gs pos="76000">
-                    <a:schemeClr val="accent2"/>
-                  </a:gs>
-                  <a:gs pos="100000">
-                    <a:schemeClr val="accent2">
-                      <a:lumMod val="75000"/>
-                    </a:schemeClr>
-                  </a:gs>
-                  <a:gs pos="0">
-                    <a:srgbClr val="F3A875"/>
-                  </a:gs>
-                </a:gsLst>
-                <a:lin ang="5400000" scaled="1"/>
-                <a:tileRect/>
-              </a:gradFill>
-              <a:latin typeface="Microsoft YaHei UI" panose="020B0503020204020204" pitchFamily="34" charset="-122"/>
-              <a:ea typeface="Microsoft YaHei UI" panose="020B0503020204020204" pitchFamily="34" charset="-122"/>
-            </a:endParaRPr>
-          </a:p>
-          <a:p>
-            <a:pPr marL="342900" indent="-342900">
-              <a:buAutoNum type="arabicPeriod"/>
-            </a:pPr>
-            <a:r>
-              <a:rPr lang="cs-CZ" sz="1600" dirty="0">
-                <a:gradFill flip="none" rotWithShape="1">
-                  <a:gsLst>
-                    <a:gs pos="76000">
-                      <a:schemeClr val="accent2"/>
-                    </a:gs>
-                    <a:gs pos="100000">
-                      <a:schemeClr val="accent2">
-                        <a:lumMod val="75000"/>
-                      </a:schemeClr>
-                    </a:gs>
-                    <a:gs pos="0">
-                      <a:srgbClr val="F3A875"/>
-                    </a:gs>
-                  </a:gsLst>
-                  <a:lin ang="5400000" scaled="1"/>
-                  <a:tileRect/>
-                </a:gradFill>
-                <a:latin typeface="Microsoft YaHei UI" panose="020B0503020204020204" pitchFamily="34" charset="-122"/>
-                <a:ea typeface="Microsoft YaHei UI" panose="020B0503020204020204" pitchFamily="34" charset="-122"/>
-              </a:rPr>
-              <a:t>s</a:t>
-            </a:r>
-          </a:p>
-          <a:p>
-            <a:pPr marL="342900" indent="-342900">
-              <a:buAutoNum type="arabicPeriod"/>
-            </a:pPr>
-            <a:endParaRPr lang="cs-CZ" sz="1600" dirty="0">
-              <a:gradFill flip="none" rotWithShape="1">
-                <a:gsLst>
-                  <a:gs pos="76000">
-                    <a:schemeClr val="accent2"/>
-                  </a:gs>
-                  <a:gs pos="100000">
-                    <a:schemeClr val="accent2">
-                      <a:lumMod val="75000"/>
-                    </a:schemeClr>
-                  </a:gs>
-                  <a:gs pos="0">
-                    <a:srgbClr val="F3A875"/>
-                  </a:gs>
-                </a:gsLst>
-                <a:lin ang="5400000" scaled="1"/>
-                <a:tileRect/>
-              </a:gradFill>
-              <a:latin typeface="Microsoft YaHei UI" panose="020B0503020204020204" pitchFamily="34" charset="-122"/>
-              <a:ea typeface="Microsoft YaHei UI" panose="020B0503020204020204" pitchFamily="34" charset="-122"/>
-            </a:endParaRPr>
-          </a:p>
-          <a:p>
-            <a:pPr marL="342900" indent="-342900">
-              <a:buAutoNum type="arabicPeriod"/>
-            </a:pPr>
-            <a:endParaRPr lang="cs-CZ" sz="1600" dirty="0">
-              <a:gradFill flip="none" rotWithShape="1">
-                <a:gsLst>
-                  <a:gs pos="76000">
-                    <a:schemeClr val="accent2"/>
-                  </a:gs>
-                  <a:gs pos="100000">
-                    <a:schemeClr val="accent2">
-                      <a:lumMod val="75000"/>
-                    </a:schemeClr>
-                  </a:gs>
-                  <a:gs pos="0">
-                    <a:srgbClr val="F3A875"/>
-                  </a:gs>
-                </a:gsLst>
-                <a:lin ang="5400000" scaled="1"/>
-                <a:tileRect/>
-              </a:gradFill>
-              <a:latin typeface="Microsoft YaHei UI" panose="020B0503020204020204" pitchFamily="34" charset="-122"/>
-              <a:ea typeface="Microsoft YaHei UI" panose="020B0503020204020204" pitchFamily="34" charset="-122"/>
-            </a:endParaRPr>
-          </a:p>
-        </p:txBody>
-      </p:sp>
+      </p:pic>
+      <p:pic>
+        <p:nvPicPr>
+          <p:cNvPr id="14" name="Obrázek 13" descr="Obsah obrázku nábytek, sedadlo, stůl, židle&#10;&#10;Popis byl vytvořen automaticky">
+            <a:extLst>
+              <a:ext uri="{FF2B5EF4-FFF2-40B4-BE49-F238E27FC236}">
+                <a16:creationId xmlns:a16="http://schemas.microsoft.com/office/drawing/2014/main" id="{1B10062D-E466-470A-ADE0-C2F27AAFB0C5}"/>
+              </a:ext>
+            </a:extLst>
+          </p:cNvPr>
+          <p:cNvPicPr>
+            <a:picLocks noChangeAspect="1"/>
+          </p:cNvPicPr>
+          <p:nvPr/>
+        </p:nvPicPr>
+        <p:blipFill rotWithShape="1">
+          <a:blip r:embed="rId4">
+            <a:extLst>
+              <a:ext uri="{28A0092B-C50C-407E-A947-70E740481C1C}">
+                <a14:useLocalDpi xmlns:a14="http://schemas.microsoft.com/office/drawing/2010/main" val="0"/>
+              </a:ext>
+            </a:extLst>
+          </a:blip>
+          <a:srcRect l="24453" t="6453" r="26062" b="9135"/>
+          <a:stretch/>
+        </p:blipFill>
+        <p:spPr>
+          <a:xfrm>
+            <a:off x="1936633" y="4713338"/>
+            <a:ext cx="609600" cy="1039858"/>
+          </a:xfrm>
+          <a:prstGeom prst="rect">
+            <a:avLst/>
+          </a:prstGeom>
+          <a:effectLst>
+            <a:outerShdw blurRad="76200" dir="18900000" sy="23000" kx="-1200000" algn="bl" rotWithShape="0">
+              <a:prstClr val="black">
+                <a:alpha val="20000"/>
+              </a:prstClr>
+            </a:outerShdw>
+          </a:effectLst>
+        </p:spPr>
+      </p:pic>
+      <p:pic>
+        <p:nvPicPr>
+          <p:cNvPr id="15" name="Obrázek 14" descr="Obsah obrázku šipka&#10;&#10;Popis byl vytvořen automaticky">
+            <a:extLst>
+              <a:ext uri="{FF2B5EF4-FFF2-40B4-BE49-F238E27FC236}">
+                <a16:creationId xmlns:a16="http://schemas.microsoft.com/office/drawing/2014/main" id="{BFB656BA-EC69-48E8-A660-28663163EA0E}"/>
+              </a:ext>
+            </a:extLst>
+          </p:cNvPr>
+          <p:cNvPicPr>
+            <a:picLocks noChangeAspect="1"/>
+          </p:cNvPicPr>
+          <p:nvPr/>
+        </p:nvPicPr>
+        <p:blipFill rotWithShape="1">
+          <a:blip r:embed="rId5">
+            <a:extLst>
+              <a:ext uri="{28A0092B-C50C-407E-A947-70E740481C1C}">
+                <a14:useLocalDpi xmlns:a14="http://schemas.microsoft.com/office/drawing/2010/main" val="0"/>
+              </a:ext>
+            </a:extLst>
+          </a:blip>
+          <a:srcRect l="4450" t="33610" r="5072" b="27118"/>
+          <a:stretch/>
+        </p:blipFill>
+        <p:spPr>
+          <a:xfrm rot="60000">
+            <a:off x="9793797" y="1824562"/>
+            <a:ext cx="1689455" cy="733320"/>
+          </a:xfrm>
+          <a:prstGeom prst="rect">
+            <a:avLst/>
+          </a:prstGeom>
+          <a:effectLst>
+            <a:outerShdw blurRad="76200" dir="18900000" sy="23000" kx="-1200000" algn="bl" rotWithShape="0">
+              <a:prstClr val="black">
+                <a:alpha val="20000"/>
+              </a:prstClr>
+            </a:outerShdw>
+          </a:effectLst>
+        </p:spPr>
+      </p:pic>
+      <p:pic>
+        <p:nvPicPr>
+          <p:cNvPr id="10" name="Obrázek 9" descr="Obsah obrázku interiér, sedadlo, tmavé, pohovka&#10;&#10;Popis byl vytvořen automaticky">
+            <a:extLst>
+              <a:ext uri="{FF2B5EF4-FFF2-40B4-BE49-F238E27FC236}">
+                <a16:creationId xmlns:a16="http://schemas.microsoft.com/office/drawing/2014/main" id="{FB1032F3-BBEB-4D2D-98DE-DA61FD377B9D}"/>
+              </a:ext>
+            </a:extLst>
+          </p:cNvPr>
+          <p:cNvPicPr>
+            <a:picLocks noChangeAspect="1"/>
+          </p:cNvPicPr>
+          <p:nvPr/>
+        </p:nvPicPr>
+        <p:blipFill rotWithShape="1">
+          <a:blip r:embed="rId6">
+            <a:extLst>
+              <a:ext uri="{28A0092B-C50C-407E-A947-70E740481C1C}">
+                <a14:useLocalDpi xmlns:a14="http://schemas.microsoft.com/office/drawing/2010/main" val="0"/>
+              </a:ext>
+            </a:extLst>
+          </a:blip>
+          <a:srcRect l="11864" t="24382" r="8535" b="25198"/>
+          <a:stretch/>
+        </p:blipFill>
+        <p:spPr>
+          <a:xfrm>
+            <a:off x="2397453" y="5753196"/>
+            <a:ext cx="476250" cy="301671"/>
+          </a:xfrm>
+          <a:prstGeom prst="rect">
+            <a:avLst/>
+          </a:prstGeom>
+          <a:effectLst>
+            <a:outerShdw blurRad="76200" dir="18900000" sy="23000" kx="-1200000" algn="bl" rotWithShape="0">
+              <a:prstClr val="black">
+                <a:alpha val="20000"/>
+              </a:prstClr>
+            </a:outerShdw>
+          </a:effectLst>
+        </p:spPr>
+      </p:pic>
+      <p:pic>
+        <p:nvPicPr>
+          <p:cNvPr id="17" name="Obrázek 16" descr="Obsah obrázku tmavé&#10;&#10;Popis byl vytvořen automaticky">
+            <a:extLst>
+              <a:ext uri="{FF2B5EF4-FFF2-40B4-BE49-F238E27FC236}">
+                <a16:creationId xmlns:a16="http://schemas.microsoft.com/office/drawing/2014/main" id="{2B3F0427-524F-4C02-8649-5F9C007967B3}"/>
+              </a:ext>
+            </a:extLst>
+          </p:cNvPr>
+          <p:cNvPicPr>
+            <a:picLocks noChangeAspect="1"/>
+          </p:cNvPicPr>
+          <p:nvPr/>
+        </p:nvPicPr>
+        <p:blipFill rotWithShape="1">
+          <a:blip r:embed="rId7">
+            <a:extLst>
+              <a:ext uri="{28A0092B-C50C-407E-A947-70E740481C1C}">
+                <a14:useLocalDpi xmlns:a14="http://schemas.microsoft.com/office/drawing/2010/main" val="0"/>
+              </a:ext>
+            </a:extLst>
+          </a:blip>
+          <a:srcRect l="27448" t="7330" r="24174" b="13636"/>
+          <a:stretch/>
+        </p:blipFill>
+        <p:spPr>
+          <a:xfrm>
+            <a:off x="8893871" y="323849"/>
+            <a:ext cx="1024612" cy="1673871"/>
+          </a:xfrm>
+          <a:prstGeom prst="rect">
+            <a:avLst/>
+          </a:prstGeom>
+          <a:effectLst>
+            <a:outerShdw blurRad="76200" dir="18900000" sy="23000" kx="-1200000" algn="bl" rotWithShape="0">
+              <a:prstClr val="black">
+                <a:alpha val="20000"/>
+              </a:prstClr>
+            </a:outerShdw>
+          </a:effectLst>
+        </p:spPr>
+      </p:pic>
+      <p:pic>
+        <p:nvPicPr>
+          <p:cNvPr id="19" name="Obrázek 18" descr="Obsah obrázku interiér, postel, místnost, ložnice&#10;&#10;Popis byl vytvořen automaticky">
+            <a:extLst>
+              <a:ext uri="{FF2B5EF4-FFF2-40B4-BE49-F238E27FC236}">
+                <a16:creationId xmlns:a16="http://schemas.microsoft.com/office/drawing/2014/main" id="{563F489B-FF3D-4395-BDC2-0B8F437EFC6A}"/>
+              </a:ext>
+            </a:extLst>
+          </p:cNvPr>
+          <p:cNvPicPr>
+            <a:picLocks noChangeAspect="1"/>
+          </p:cNvPicPr>
+          <p:nvPr/>
+        </p:nvPicPr>
+        <p:blipFill rotWithShape="1">
+          <a:blip r:embed="rId8">
+            <a:extLst>
+              <a:ext uri="{28A0092B-C50C-407E-A947-70E740481C1C}">
+                <a14:useLocalDpi xmlns:a14="http://schemas.microsoft.com/office/drawing/2010/main" val="0"/>
+              </a:ext>
+            </a:extLst>
+          </a:blip>
+          <a:srcRect l="10395" t="11010" r="9495" b="11895"/>
+          <a:stretch/>
+        </p:blipFill>
+        <p:spPr>
+          <a:xfrm>
+            <a:off x="423830" y="4713338"/>
+            <a:ext cx="1674279" cy="1611261"/>
+          </a:xfrm>
+          <a:prstGeom prst="rect">
+            <a:avLst/>
+          </a:prstGeom>
+        </p:spPr>
+      </p:pic>
     </p:spTree>
     <p:extLst>
       <p:ext uri="{BB962C8B-B14F-4D97-AF65-F5344CB8AC3E}">
-        <p14:creationId xmlns:p14="http://schemas.microsoft.com/office/powerpoint/2010/main" val="3866270224"/>
+        <p14:creationId xmlns:p14="http://schemas.microsoft.com/office/powerpoint/2010/main" val="3409213328"/>
       </p:ext>
     </p:extLst>
   </p:cSld>
   <p:clrMapOvr>
     <a:masterClrMapping/>
   </p:clrMapOvr>
-  <mc:AlternateContent xmlns:mc="http://schemas.openxmlformats.org/markup-compatibility/2006" xmlns:p14="http://schemas.microsoft.com/office/powerpoint/2010/main">
-    <mc:Choice Requires="p14">
-      <p:transition p14:dur="250">
-        <p:wipe/>
-      </p:transition>
-    </mc:Choice>
-    <mc:Fallback xmlns="">
-      <p:transition>
-        <p:wipe/>
-      </p:transition>
-    </mc:Fallback>
-  </mc:AlternateContent>
-  <p:timing>
-    <p:tnLst>
-      <p:par>
-        <p:cTn id="1" dur="indefinite" restart="never" nodeType="tmRoot">
-          <p:childTnLst>
-            <p:seq concurrent="1" nextAc="seek">
-              <p:cTn id="2" dur="indefinite" nodeType="mainSeq">
-                <p:childTnLst>
-                  <p:par>
-                    <p:cTn id="3" fill="hold">
-                      <p:stCondLst>
-                        <p:cond delay="indefinite"/>
-                        <p:cond evt="onBegin" delay="0">
-                          <p:tn val="2"/>
-                        </p:cond>
-                      </p:stCondLst>
-                      <p:childTnLst>
-                        <p:par>
-                          <p:cTn id="4" fill="hold">
-                            <p:stCondLst>
-                              <p:cond delay="0"/>
-                            </p:stCondLst>
-                            <p:childTnLst>
-                              <p:par>
-                                <p:cTn id="5" presetID="10" presetClass="entr" presetSubtype="0" fill="hold" grpId="0" nodeType="withEffect">
-                                  <p:stCondLst>
-                                    <p:cond delay="750"/>
-                                  </p:stCondLst>
-                                  <p:childTnLst>
-                                    <p:set>
-                                      <p:cBhvr>
-                                        <p:cTn id="6" dur="1" fill="hold">
-                                          <p:stCondLst>
-                                            <p:cond delay="0"/>
-                                          </p:stCondLst>
-                                        </p:cTn>
-                                        <p:tgtEl>
-                                          <p:spTgt spid="3"/>
-                                        </p:tgtEl>
-                                        <p:attrNameLst>
-                                          <p:attrName>style.visibility</p:attrName>
-                                        </p:attrNameLst>
-                                      </p:cBhvr>
-                                      <p:to>
-                                        <p:strVal val="visible"/>
-                                      </p:to>
-                                    </p:set>
-                                    <p:animEffect transition="in" filter="fade">
-                                      <p:cBhvr>
-                                        <p:cTn id="7" dur="750"/>
-                                        <p:tgtEl>
-                                          <p:spTgt spid="3"/>
-                                        </p:tgtEl>
-                                      </p:cBhvr>
-                                    </p:animEffect>
-                                  </p:childTnLst>
-                                </p:cTn>
-                              </p:par>
-                            </p:childTnLst>
-                          </p:cTn>
-                        </p:par>
-                        <p:par>
-                          <p:cTn id="8" fill="hold">
-                            <p:stCondLst>
-                              <p:cond delay="1500"/>
-                            </p:stCondLst>
-                            <p:childTnLst>
-                              <p:par>
-                                <p:cTn id="9" presetID="10" presetClass="entr" presetSubtype="0" fill="hold" grpId="0" nodeType="afterEffect">
-                                  <p:stCondLst>
-                                    <p:cond delay="250"/>
-                                  </p:stCondLst>
-                                  <p:childTnLst>
-                                    <p:set>
-                                      <p:cBhvr>
-                                        <p:cTn id="10" dur="1" fill="hold">
-                                          <p:stCondLst>
-                                            <p:cond delay="0"/>
-                                          </p:stCondLst>
-                                        </p:cTn>
-                                        <p:tgtEl>
-                                          <p:spTgt spid="5"/>
-                                        </p:tgtEl>
-                                        <p:attrNameLst>
-                                          <p:attrName>style.visibility</p:attrName>
-                                        </p:attrNameLst>
-                                      </p:cBhvr>
-                                      <p:to>
-                                        <p:strVal val="visible"/>
-                                      </p:to>
-                                    </p:set>
-                                    <p:animEffect transition="in" filter="fade">
-                                      <p:cBhvr>
-                                        <p:cTn id="11" dur="750"/>
-                                        <p:tgtEl>
-                                          <p:spTgt spid="5"/>
-                                        </p:tgtEl>
-                                      </p:cBhvr>
-                                    </p:animEffect>
-                                  </p:childTnLst>
-                                </p:cTn>
-                              </p:par>
-                            </p:childTnLst>
-                          </p:cTn>
-                        </p:par>
-                      </p:childTnLst>
-                    </p:cTn>
-                  </p:par>
-                </p:childTnLst>
-              </p:cTn>
-              <p:prevCondLst>
-                <p:cond evt="onPrev" delay="0">
-                  <p:tgtEl>
-                    <p:sldTgt/>
-                  </p:tgtEl>
-                </p:cond>
-              </p:prevCondLst>
-              <p:nextCondLst>
-                <p:cond evt="onNext" delay="0">
-                  <p:tgtEl>
-                    <p:sldTgt/>
-                  </p:tgtEl>
-                </p:cond>
-              </p:nextCondLst>
-            </p:seq>
-          </p:childTnLst>
-        </p:cTn>
-      </p:par>
-    </p:tnLst>
-    <p:bldLst>
-      <p:bldP spid="3" grpId="0"/>
-      <p:bldP spid="5" grpId="0"/>
-    </p:bldLst>
-  </p:timing>
 </p:sld>
 </file>
 

--- a/Presentation/World Builder VR Presentation.pptx
+++ b/Presentation/World Builder VR Presentation.pptx
@@ -303,7 +303,7 @@
           <a:p>
             <a:fld id="{4C7B6FA1-35C7-494D-BA17-8D9A6557A50F}" type="datetimeFigureOut">
               <a:rPr lang="cs-CZ" smtClean="0"/>
-              <a:t>14.12.2021</a:t>
+              <a:t>15.12.2021</a:t>
             </a:fld>
             <a:endParaRPr lang="cs-CZ"/>
           </a:p>
@@ -501,7 +501,7 @@
           <a:p>
             <a:fld id="{4C7B6FA1-35C7-494D-BA17-8D9A6557A50F}" type="datetimeFigureOut">
               <a:rPr lang="cs-CZ" smtClean="0"/>
-              <a:t>14.12.2021</a:t>
+              <a:t>15.12.2021</a:t>
             </a:fld>
             <a:endParaRPr lang="cs-CZ"/>
           </a:p>
@@ -709,7 +709,7 @@
           <a:p>
             <a:fld id="{4C7B6FA1-35C7-494D-BA17-8D9A6557A50F}" type="datetimeFigureOut">
               <a:rPr lang="cs-CZ" smtClean="0"/>
-              <a:t>14.12.2021</a:t>
+              <a:t>15.12.2021</a:t>
             </a:fld>
             <a:endParaRPr lang="cs-CZ"/>
           </a:p>
@@ -907,7 +907,7 @@
           <a:p>
             <a:fld id="{4C7B6FA1-35C7-494D-BA17-8D9A6557A50F}" type="datetimeFigureOut">
               <a:rPr lang="cs-CZ" smtClean="0"/>
-              <a:t>14.12.2021</a:t>
+              <a:t>15.12.2021</a:t>
             </a:fld>
             <a:endParaRPr lang="cs-CZ"/>
           </a:p>
@@ -1182,7 +1182,7 @@
           <a:p>
             <a:fld id="{4C7B6FA1-35C7-494D-BA17-8D9A6557A50F}" type="datetimeFigureOut">
               <a:rPr lang="cs-CZ" smtClean="0"/>
-              <a:t>14.12.2021</a:t>
+              <a:t>15.12.2021</a:t>
             </a:fld>
             <a:endParaRPr lang="cs-CZ"/>
           </a:p>
@@ -1447,7 +1447,7 @@
           <a:p>
             <a:fld id="{4C7B6FA1-35C7-494D-BA17-8D9A6557A50F}" type="datetimeFigureOut">
               <a:rPr lang="cs-CZ" smtClean="0"/>
-              <a:t>14.12.2021</a:t>
+              <a:t>15.12.2021</a:t>
             </a:fld>
             <a:endParaRPr lang="cs-CZ"/>
           </a:p>
@@ -1859,7 +1859,7 @@
           <a:p>
             <a:fld id="{4C7B6FA1-35C7-494D-BA17-8D9A6557A50F}" type="datetimeFigureOut">
               <a:rPr lang="cs-CZ" smtClean="0"/>
-              <a:t>14.12.2021</a:t>
+              <a:t>15.12.2021</a:t>
             </a:fld>
             <a:endParaRPr lang="cs-CZ"/>
           </a:p>
@@ -2000,7 +2000,7 @@
           <a:p>
             <a:fld id="{4C7B6FA1-35C7-494D-BA17-8D9A6557A50F}" type="datetimeFigureOut">
               <a:rPr lang="cs-CZ" smtClean="0"/>
-              <a:t>14.12.2021</a:t>
+              <a:t>15.12.2021</a:t>
             </a:fld>
             <a:endParaRPr lang="cs-CZ"/>
           </a:p>
@@ -2113,7 +2113,7 @@
           <a:p>
             <a:fld id="{4C7B6FA1-35C7-494D-BA17-8D9A6557A50F}" type="datetimeFigureOut">
               <a:rPr lang="cs-CZ" smtClean="0"/>
-              <a:t>14.12.2021</a:t>
+              <a:t>15.12.2021</a:t>
             </a:fld>
             <a:endParaRPr lang="cs-CZ"/>
           </a:p>
@@ -2424,7 +2424,7 @@
           <a:p>
             <a:fld id="{4C7B6FA1-35C7-494D-BA17-8D9A6557A50F}" type="datetimeFigureOut">
               <a:rPr lang="cs-CZ" smtClean="0"/>
-              <a:t>14.12.2021</a:t>
+              <a:t>15.12.2021</a:t>
             </a:fld>
             <a:endParaRPr lang="cs-CZ"/>
           </a:p>
@@ -2712,7 +2712,7 @@
           <a:p>
             <a:fld id="{4C7B6FA1-35C7-494D-BA17-8D9A6557A50F}" type="datetimeFigureOut">
               <a:rPr lang="cs-CZ" smtClean="0"/>
-              <a:t>14.12.2021</a:t>
+              <a:t>15.12.2021</a:t>
             </a:fld>
             <a:endParaRPr lang="cs-CZ"/>
           </a:p>
@@ -2953,7 +2953,7 @@
           <a:p>
             <a:fld id="{4C7B6FA1-35C7-494D-BA17-8D9A6557A50F}" type="datetimeFigureOut">
               <a:rPr lang="cs-CZ" smtClean="0"/>
-              <a:t>14.12.2021</a:t>
+              <a:t>15.12.2021</a:t>
             </a:fld>
             <a:endParaRPr lang="cs-CZ"/>
           </a:p>
@@ -4302,13 +4302,13 @@
   <p:clrMapOvr>
     <a:masterClrMapping/>
   </p:clrMapOvr>
-  <mc:AlternateContent xmlns:mc="http://schemas.openxmlformats.org/markup-compatibility/2006" xmlns:p14="http://schemas.microsoft.com/office/powerpoint/2010/main">
-    <mc:Choice Requires="p14">
+  <mc:AlternateContent xmlns:mc="http://schemas.openxmlformats.org/markup-compatibility/2006">
+    <mc:Choice xmlns:p14="http://schemas.microsoft.com/office/powerpoint/2010/main" Requires="p14">
       <p:transition p14:dur="250">
         <p:wipe/>
       </p:transition>
     </mc:Choice>
-    <mc:Fallback xmlns="">
+    <mc:Fallback>
       <p:transition>
         <p:wipe/>
       </p:transition>
@@ -6153,8 +6153,8 @@
         </p:nvSpPr>
         <p:spPr>
           <a:xfrm>
-            <a:off x="7677014" y="4355710"/>
-            <a:ext cx="2165209" cy="400110"/>
+            <a:off x="7718532" y="4355710"/>
+            <a:ext cx="2082172" cy="400110"/>
           </a:xfrm>
           <a:prstGeom prst="rect">
             <a:avLst/>
@@ -6182,23 +6182,8 @@
                 </a:solidFill>
                 <a:latin typeface="ITC Avant Garde Gothic LT Demi" pitchFamily="50" charset="0"/>
               </a:rPr>
-              <a:t>Open </a:t>
-            </a:r>
-            <a:r>
-              <a:rPr lang="cs-CZ" sz="2000" dirty="0" err="1">
-                <a:solidFill>
-                  <a:srgbClr val="9649AF"/>
-                </a:solidFill>
-                <a:latin typeface="ITC Avant Garde Gothic LT Demi" pitchFamily="50" charset="0"/>
-              </a:rPr>
-              <a:t>Starndard</a:t>
-            </a:r>
-            <a:endParaRPr lang="cs-CZ" sz="2000" dirty="0">
-              <a:solidFill>
-                <a:srgbClr val="9649AF"/>
-              </a:solidFill>
-              <a:latin typeface="ITC Avant Garde Gothic LT Demi" pitchFamily="50" charset="0"/>
-            </a:endParaRPr>
+              <a:t>Open Standard</a:t>
+            </a:r>
           </a:p>
         </p:txBody>
       </p:sp>
@@ -8185,8 +8170,8 @@
         </p:nvSpPr>
         <p:spPr>
           <a:xfrm>
-            <a:off x="983212" y="2645501"/>
-            <a:ext cx="4710520" cy="2308324"/>
+            <a:off x="897754" y="2368502"/>
+            <a:ext cx="4710520" cy="2862322"/>
           </a:xfrm>
           <a:prstGeom prst="rect">
             <a:avLst/>
@@ -8388,7 +8373,7 @@
               <a:buChar char="-"/>
             </a:pPr>
             <a:r>
-              <a:rPr lang="cs-CZ" dirty="0">
+              <a:rPr lang="cs-CZ" dirty="0" err="1">
                 <a:gradFill flip="none" rotWithShape="1">
                   <a:gsLst>
                     <a:gs pos="76000">
@@ -8412,7 +8397,88 @@
                 <a:latin typeface="Microsoft YaHei UI" panose="020B0503020204020204" pitchFamily="34" charset="-122"/>
                 <a:ea typeface="Microsoft YaHei UI" panose="020B0503020204020204" pitchFamily="34" charset="-122"/>
               </a:rPr>
-              <a:t>Editor Interaktivity</a:t>
+              <a:t>Stage</a:t>
+            </a:r>
+            <a:r>
+              <a:rPr lang="cs-CZ" dirty="0">
+                <a:gradFill flip="none" rotWithShape="1">
+                  <a:gsLst>
+                    <a:gs pos="76000">
+                      <a:schemeClr val="accent4"/>
+                    </a:gs>
+                    <a:gs pos="100000">
+                      <a:schemeClr val="accent4">
+                        <a:lumMod val="75000"/>
+                      </a:schemeClr>
+                    </a:gs>
+                    <a:gs pos="0">
+                      <a:schemeClr val="accent4">
+                        <a:lumMod val="40000"/>
+                        <a:lumOff val="60000"/>
+                      </a:schemeClr>
+                    </a:gs>
+                  </a:gsLst>
+                  <a:lin ang="5400000" scaled="1"/>
+                  <a:tileRect/>
+                </a:gradFill>
+                <a:latin typeface="Microsoft YaHei UI" panose="020B0503020204020204" pitchFamily="34" charset="-122"/>
+                <a:ea typeface="Microsoft YaHei UI" panose="020B0503020204020204" pitchFamily="34" charset="-122"/>
+              </a:rPr>
+              <a:t> </a:t>
+            </a:r>
+            <a:r>
+              <a:rPr lang="cs-CZ" dirty="0" err="1">
+                <a:gradFill flip="none" rotWithShape="1">
+                  <a:gsLst>
+                    <a:gs pos="76000">
+                      <a:schemeClr val="accent4"/>
+                    </a:gs>
+                    <a:gs pos="100000">
+                      <a:schemeClr val="accent4">
+                        <a:lumMod val="75000"/>
+                      </a:schemeClr>
+                    </a:gs>
+                    <a:gs pos="0">
+                      <a:schemeClr val="accent4">
+                        <a:lumMod val="40000"/>
+                        <a:lumOff val="60000"/>
+                      </a:schemeClr>
+                    </a:gs>
+                  </a:gsLst>
+                  <a:lin ang="5400000" scaled="1"/>
+                  <a:tileRect/>
+                </a:gradFill>
+                <a:latin typeface="Microsoft YaHei UI" panose="020B0503020204020204" pitchFamily="34" charset="-122"/>
+                <a:ea typeface="Microsoft YaHei UI" panose="020B0503020204020204" pitchFamily="34" charset="-122"/>
+              </a:rPr>
+              <a:t>Selection</a:t>
+            </a:r>
+            <a:r>
+              <a:rPr lang="cs-CZ" dirty="0">
+                <a:gradFill flip="none" rotWithShape="1">
+                  <a:gsLst>
+                    <a:gs pos="76000">
+                      <a:schemeClr val="accent4"/>
+                    </a:gs>
+                    <a:gs pos="100000">
+                      <a:schemeClr val="accent4">
+                        <a:lumMod val="75000"/>
+                      </a:schemeClr>
+                    </a:gs>
+                    <a:gs pos="0">
+                      <a:schemeClr val="accent4">
+                        <a:lumMod val="40000"/>
+                        <a:lumOff val="60000"/>
+                      </a:schemeClr>
+                    </a:gs>
+                  </a:gsLst>
+                  <a:lin ang="5400000" scaled="1"/>
+                  <a:tileRect/>
+                </a:gradFill>
+                <a:latin typeface="Microsoft YaHei UI" panose="020B0503020204020204" pitchFamily="34" charset="-122"/>
+                <a:ea typeface="Microsoft YaHei UI" panose="020B0503020204020204" pitchFamily="34" charset="-122"/>
+              </a:rPr>
+              <a:t> Menu</a:t>
             </a:r>
           </a:p>
           <a:p>
@@ -8475,7 +8541,7 @@
                 <a:latin typeface="Microsoft YaHei UI" panose="020B0503020204020204" pitchFamily="34" charset="-122"/>
                 <a:ea typeface="Microsoft YaHei UI" panose="020B0503020204020204" pitchFamily="34" charset="-122"/>
               </a:rPr>
-              <a:t>Klávesnice ve VR (přejmenování světů)</a:t>
+              <a:t>Editor Interaktivity</a:t>
             </a:r>
           </a:p>
           <a:p>
@@ -8508,6 +8574,69 @@
               <a:ea typeface="Microsoft YaHei UI" panose="020B0503020204020204" pitchFamily="34" charset="-122"/>
             </a:endParaRPr>
           </a:p>
+          <a:p>
+            <a:pPr marL="285750" indent="-285750">
+              <a:buFontTx/>
+              <a:buChar char="-"/>
+            </a:pPr>
+            <a:r>
+              <a:rPr lang="cs-CZ" dirty="0">
+                <a:gradFill flip="none" rotWithShape="1">
+                  <a:gsLst>
+                    <a:gs pos="76000">
+                      <a:schemeClr val="accent4"/>
+                    </a:gs>
+                    <a:gs pos="100000">
+                      <a:schemeClr val="accent4">
+                        <a:lumMod val="75000"/>
+                      </a:schemeClr>
+                    </a:gs>
+                    <a:gs pos="0">
+                      <a:schemeClr val="accent4">
+                        <a:lumMod val="40000"/>
+                        <a:lumOff val="60000"/>
+                      </a:schemeClr>
+                    </a:gs>
+                  </a:gsLst>
+                  <a:lin ang="5400000" scaled="1"/>
+                  <a:tileRect/>
+                </a:gradFill>
+                <a:latin typeface="Microsoft YaHei UI" panose="020B0503020204020204" pitchFamily="34" charset="-122"/>
+                <a:ea typeface="Microsoft YaHei UI" panose="020B0503020204020204" pitchFamily="34" charset="-122"/>
+              </a:rPr>
+              <a:t>Klávesnice ve VR (přejmenování světů)</a:t>
+            </a:r>
+          </a:p>
+          <a:p>
+            <a:pPr marL="285750" indent="-285750">
+              <a:buFontTx/>
+              <a:buChar char="-"/>
+            </a:pPr>
+            <a:endParaRPr lang="cs-CZ" dirty="0">
+              <a:gradFill flip="none" rotWithShape="1">
+                <a:gsLst>
+                  <a:gs pos="76000">
+                    <a:schemeClr val="accent4"/>
+                  </a:gs>
+                  <a:gs pos="100000">
+                    <a:schemeClr val="accent4">
+                      <a:lumMod val="75000"/>
+                    </a:schemeClr>
+                  </a:gs>
+                  <a:gs pos="0">
+                    <a:schemeClr val="accent4">
+                      <a:lumMod val="40000"/>
+                      <a:lumOff val="60000"/>
+                    </a:schemeClr>
+                  </a:gs>
+                </a:gsLst>
+                <a:lin ang="5400000" scaled="1"/>
+                <a:tileRect/>
+              </a:gradFill>
+              <a:latin typeface="Microsoft YaHei UI" panose="020B0503020204020204" pitchFamily="34" charset="-122"/>
+              <a:ea typeface="Microsoft YaHei UI" panose="020B0503020204020204" pitchFamily="34" charset="-122"/>
+            </a:endParaRPr>
+          </a:p>
         </p:txBody>
       </p:sp>
     </p:spTree>
@@ -8520,13 +8649,13 @@
   <p:clrMapOvr>
     <a:masterClrMapping/>
   </p:clrMapOvr>
-  <mc:AlternateContent xmlns:mc="http://schemas.openxmlformats.org/markup-compatibility/2006" xmlns:p14="http://schemas.microsoft.com/office/powerpoint/2010/main">
-    <mc:Choice Requires="p14">
+  <mc:AlternateContent xmlns:mc="http://schemas.openxmlformats.org/markup-compatibility/2006">
+    <mc:Choice xmlns:p14="http://schemas.microsoft.com/office/powerpoint/2010/main" Requires="p14">
       <p:transition p14:dur="250">
         <p:wipe/>
       </p:transition>
     </mc:Choice>
-    <mc:Fallback xmlns="">
+    <mc:Fallback>
       <p:transition>
         <p:wipe/>
       </p:transition>
@@ -8786,6 +8915,18 @@
   <p:clrMapOvr>
     <a:masterClrMapping/>
   </p:clrMapOvr>
+  <mc:AlternateContent xmlns:mc="http://schemas.openxmlformats.org/markup-compatibility/2006">
+    <mc:Choice xmlns:p14="http://schemas.microsoft.com/office/powerpoint/2010/main" Requires="p14">
+      <p:transition p14:dur="250">
+        <p:wipe/>
+      </p:transition>
+    </mc:Choice>
+    <mc:Fallback>
+      <p:transition>
+        <p:wipe/>
+      </p:transition>
+    </mc:Fallback>
+  </mc:AlternateContent>
 </p:sld>
 </file>
 
@@ -9158,6 +9299,18 @@
   <p:clrMapOvr>
     <a:masterClrMapping/>
   </p:clrMapOvr>
+  <mc:AlternateContent xmlns:mc="http://schemas.openxmlformats.org/markup-compatibility/2006">
+    <mc:Choice xmlns:p14="http://schemas.microsoft.com/office/powerpoint/2010/main" Requires="p14">
+      <p:transition p14:dur="250">
+        <p:wipe/>
+      </p:transition>
+    </mc:Choice>
+    <mc:Fallback>
+      <p:transition>
+        <p:wipe/>
+      </p:transition>
+    </mc:Fallback>
+  </mc:AlternateContent>
 </p:sld>
 </file>
 
